--- a/sample01.pptx
+++ b/sample01.pptx
@@ -4,6 +4,9 @@
   <p:sldMasterIdLst>
     <p:sldMasterId id="2147483648" r:id="rId1"/>
   </p:sldMasterIdLst>
+  <p:sldIdLst>
+    <p:sldId id="256" r:id="rId2"/>
+  </p:sldIdLst>
   <p:sldSz cx="9144000" cy="6858000" type="screen4x3"/>
   <p:notesSz cx="6858000" cy="9144000"/>
   <p:defaultTextStyle>
@@ -285,7 +288,7 @@
           <a:p>
             <a:fld id="{E90ED720-0104-4369-84BC-D37694168613}" type="datetimeFigureOut">
               <a:rPr kumimoji="1" lang="ja-JP" altLang="en-US" smtClean="0"/>
-              <a:t>2006/9/6</a:t>
+              <a:t>2013/11/18</a:t>
             </a:fld>
             <a:endParaRPr kumimoji="1" lang="ja-JP" altLang="en-US"/>
           </a:p>
@@ -327,7 +330,7 @@
           <a:p>
             <a:fld id="{D2D8002D-B5B0-4BAC-B1F6-782DDCCE6D9C}" type="slidenum">
               <a:rPr kumimoji="1" lang="ja-JP" altLang="en-US" smtClean="0"/>
-              <a:t>&lt;#&gt;</a:t>
+              <a:t>‹#›</a:t>
             </a:fld>
             <a:endParaRPr kumimoji="1" lang="ja-JP" altLang="en-US"/>
           </a:p>
@@ -482,7 +485,7 @@
           <a:p>
             <a:fld id="{E90ED720-0104-4369-84BC-D37694168613}" type="datetimeFigureOut">
               <a:rPr kumimoji="1" lang="ja-JP" altLang="en-US" smtClean="0"/>
-              <a:t>2006/9/6</a:t>
+              <a:t>2013/11/18</a:t>
             </a:fld>
             <a:endParaRPr kumimoji="1" lang="ja-JP" altLang="en-US"/>
           </a:p>
@@ -524,7 +527,7 @@
           <a:p>
             <a:fld id="{D2D8002D-B5B0-4BAC-B1F6-782DDCCE6D9C}" type="slidenum">
               <a:rPr kumimoji="1" lang="ja-JP" altLang="en-US" smtClean="0"/>
-              <a:t>&lt;#&gt;</a:t>
+              <a:t>‹#›</a:t>
             </a:fld>
             <a:endParaRPr kumimoji="1" lang="ja-JP" altLang="en-US"/>
           </a:p>
@@ -689,7 +692,7 @@
           <a:p>
             <a:fld id="{E90ED720-0104-4369-84BC-D37694168613}" type="datetimeFigureOut">
               <a:rPr kumimoji="1" lang="ja-JP" altLang="en-US" smtClean="0"/>
-              <a:t>2006/9/6</a:t>
+              <a:t>2013/11/18</a:t>
             </a:fld>
             <a:endParaRPr kumimoji="1" lang="ja-JP" altLang="en-US"/>
           </a:p>
@@ -731,7 +734,7 @@
           <a:p>
             <a:fld id="{D2D8002D-B5B0-4BAC-B1F6-782DDCCE6D9C}" type="slidenum">
               <a:rPr kumimoji="1" lang="ja-JP" altLang="en-US" smtClean="0"/>
-              <a:t>&lt;#&gt;</a:t>
+              <a:t>‹#›</a:t>
             </a:fld>
             <a:endParaRPr kumimoji="1" lang="ja-JP" altLang="en-US"/>
           </a:p>
@@ -886,7 +889,7 @@
           <a:p>
             <a:fld id="{E90ED720-0104-4369-84BC-D37694168613}" type="datetimeFigureOut">
               <a:rPr kumimoji="1" lang="ja-JP" altLang="en-US" smtClean="0"/>
-              <a:t>2006/9/6</a:t>
+              <a:t>2013/11/18</a:t>
             </a:fld>
             <a:endParaRPr kumimoji="1" lang="ja-JP" altLang="en-US"/>
           </a:p>
@@ -928,7 +931,7 @@
           <a:p>
             <a:fld id="{D2D8002D-B5B0-4BAC-B1F6-782DDCCE6D9C}" type="slidenum">
               <a:rPr kumimoji="1" lang="ja-JP" altLang="en-US" smtClean="0"/>
-              <a:t>&lt;#&gt;</a:t>
+              <a:t>‹#›</a:t>
             </a:fld>
             <a:endParaRPr kumimoji="1" lang="ja-JP" altLang="en-US"/>
           </a:p>
@@ -1127,7 +1130,7 @@
           <a:p>
             <a:fld id="{E90ED720-0104-4369-84BC-D37694168613}" type="datetimeFigureOut">
               <a:rPr kumimoji="1" lang="ja-JP" altLang="en-US" smtClean="0"/>
-              <a:t>2006/9/6</a:t>
+              <a:t>2013/11/18</a:t>
             </a:fld>
             <a:endParaRPr kumimoji="1" lang="ja-JP" altLang="en-US"/>
           </a:p>
@@ -1169,7 +1172,7 @@
           <a:p>
             <a:fld id="{D2D8002D-B5B0-4BAC-B1F6-782DDCCE6D9C}" type="slidenum">
               <a:rPr kumimoji="1" lang="ja-JP" altLang="en-US" smtClean="0"/>
-              <a:t>&lt;#&gt;</a:t>
+              <a:t>‹#›</a:t>
             </a:fld>
             <a:endParaRPr kumimoji="1" lang="ja-JP" altLang="en-US"/>
           </a:p>
@@ -1474,7 +1477,7 @@
           <a:p>
             <a:fld id="{E90ED720-0104-4369-84BC-D37694168613}" type="datetimeFigureOut">
               <a:rPr kumimoji="1" lang="ja-JP" altLang="en-US" smtClean="0"/>
-              <a:t>2006/9/6</a:t>
+              <a:t>2013/11/18</a:t>
             </a:fld>
             <a:endParaRPr kumimoji="1" lang="ja-JP" altLang="en-US"/>
           </a:p>
@@ -1516,7 +1519,7 @@
           <a:p>
             <a:fld id="{D2D8002D-B5B0-4BAC-B1F6-782DDCCE6D9C}" type="slidenum">
               <a:rPr kumimoji="1" lang="ja-JP" altLang="en-US" smtClean="0"/>
-              <a:t>&lt;#&gt;</a:t>
+              <a:t>‹#›</a:t>
             </a:fld>
             <a:endParaRPr kumimoji="1" lang="ja-JP" altLang="en-US"/>
           </a:p>
@@ -1955,7 +1958,7 @@
           <a:p>
             <a:fld id="{E90ED720-0104-4369-84BC-D37694168613}" type="datetimeFigureOut">
               <a:rPr kumimoji="1" lang="ja-JP" altLang="en-US" smtClean="0"/>
-              <a:t>2006/9/6</a:t>
+              <a:t>2013/11/18</a:t>
             </a:fld>
             <a:endParaRPr kumimoji="1" lang="ja-JP" altLang="en-US"/>
           </a:p>
@@ -1997,7 +2000,7 @@
           <a:p>
             <a:fld id="{D2D8002D-B5B0-4BAC-B1F6-782DDCCE6D9C}" type="slidenum">
               <a:rPr kumimoji="1" lang="ja-JP" altLang="en-US" smtClean="0"/>
-              <a:t>&lt;#&gt;</a:t>
+              <a:t>‹#›</a:t>
             </a:fld>
             <a:endParaRPr kumimoji="1" lang="ja-JP" altLang="en-US"/>
           </a:p>
@@ -2068,7 +2071,7 @@
           <a:p>
             <a:fld id="{E90ED720-0104-4369-84BC-D37694168613}" type="datetimeFigureOut">
               <a:rPr kumimoji="1" lang="ja-JP" altLang="en-US" smtClean="0"/>
-              <a:t>2006/9/6</a:t>
+              <a:t>2013/11/18</a:t>
             </a:fld>
             <a:endParaRPr kumimoji="1" lang="ja-JP" altLang="en-US"/>
           </a:p>
@@ -2110,7 +2113,7 @@
           <a:p>
             <a:fld id="{D2D8002D-B5B0-4BAC-B1F6-782DDCCE6D9C}" type="slidenum">
               <a:rPr kumimoji="1" lang="ja-JP" altLang="en-US" smtClean="0"/>
-              <a:t>&lt;#&gt;</a:t>
+              <a:t>‹#›</a:t>
             </a:fld>
             <a:endParaRPr kumimoji="1" lang="ja-JP" altLang="en-US"/>
           </a:p>
@@ -2158,7 +2161,7 @@
           <a:p>
             <a:fld id="{E90ED720-0104-4369-84BC-D37694168613}" type="datetimeFigureOut">
               <a:rPr kumimoji="1" lang="ja-JP" altLang="en-US" smtClean="0"/>
-              <a:t>2006/9/6</a:t>
+              <a:t>2013/11/18</a:t>
             </a:fld>
             <a:endParaRPr kumimoji="1" lang="ja-JP" altLang="en-US"/>
           </a:p>
@@ -2200,7 +2203,7 @@
           <a:p>
             <a:fld id="{D2D8002D-B5B0-4BAC-B1F6-782DDCCE6D9C}" type="slidenum">
               <a:rPr kumimoji="1" lang="ja-JP" altLang="en-US" smtClean="0"/>
-              <a:t>&lt;#&gt;</a:t>
+              <a:t>‹#›</a:t>
             </a:fld>
             <a:endParaRPr kumimoji="1" lang="ja-JP" altLang="en-US"/>
           </a:p>
@@ -2462,7 +2465,7 @@
           <a:p>
             <a:fld id="{E90ED720-0104-4369-84BC-D37694168613}" type="datetimeFigureOut">
               <a:rPr kumimoji="1" lang="ja-JP" altLang="en-US" smtClean="0"/>
-              <a:t>2006/9/6</a:t>
+              <a:t>2013/11/18</a:t>
             </a:fld>
             <a:endParaRPr kumimoji="1" lang="ja-JP" altLang="en-US"/>
           </a:p>
@@ -2504,7 +2507,7 @@
           <a:p>
             <a:fld id="{D2D8002D-B5B0-4BAC-B1F6-782DDCCE6D9C}" type="slidenum">
               <a:rPr kumimoji="1" lang="ja-JP" altLang="en-US" smtClean="0"/>
-              <a:t>&lt;#&gt;</a:t>
+              <a:t>‹#›</a:t>
             </a:fld>
             <a:endParaRPr kumimoji="1" lang="ja-JP" altLang="en-US"/>
           </a:p>
@@ -2710,7 +2713,7 @@
           <a:p>
             <a:fld id="{E90ED720-0104-4369-84BC-D37694168613}" type="datetimeFigureOut">
               <a:rPr kumimoji="1" lang="ja-JP" altLang="en-US" smtClean="0"/>
-              <a:t>2006/9/6</a:t>
+              <a:t>2013/11/18</a:t>
             </a:fld>
             <a:endParaRPr kumimoji="1" lang="ja-JP" altLang="en-US"/>
           </a:p>
@@ -2752,7 +2755,7 @@
           <a:p>
             <a:fld id="{D2D8002D-B5B0-4BAC-B1F6-782DDCCE6D9C}" type="slidenum">
               <a:rPr kumimoji="1" lang="ja-JP" altLang="en-US" smtClean="0"/>
-              <a:t>&lt;#&gt;</a:t>
+              <a:t>‹#›</a:t>
             </a:fld>
             <a:endParaRPr kumimoji="1" lang="ja-JP" altLang="en-US"/>
           </a:p>
@@ -2950,7 +2953,7 @@
           <a:p>
             <a:fld id="{E90ED720-0104-4369-84BC-D37694168613}" type="datetimeFigureOut">
               <a:rPr kumimoji="1" lang="ja-JP" altLang="en-US" smtClean="0"/>
-              <a:t>2006/9/6</a:t>
+              <a:t>2013/11/18</a:t>
             </a:fld>
             <a:endParaRPr kumimoji="1" lang="ja-JP" altLang="en-US"/>
           </a:p>
@@ -3028,7 +3031,7 @@
           <a:p>
             <a:fld id="{D2D8002D-B5B0-4BAC-B1F6-782DDCCE6D9C}" type="slidenum">
               <a:rPr kumimoji="1" lang="ja-JP" altLang="en-US" smtClean="0"/>
-              <a:t>&lt;#&gt;</a:t>
+              <a:t>‹#›</a:t>
             </a:fld>
             <a:endParaRPr kumimoji="1" lang="ja-JP" altLang="en-US"/>
           </a:p>
@@ -3301,6 +3304,78 @@
     </p:otherStyle>
   </p:txStyles>
 </p:sldMaster>
+</file>
+
+<file path=ppt/slides/slide1.xml><?xml version="1.0" encoding="utf-8"?>
+<p:sld xmlns:a="http://schemas.openxmlformats.org/drawingml/2006/main" xmlns:r="http://schemas.openxmlformats.org/officeDocument/2006/relationships" xmlns:p="http://schemas.openxmlformats.org/presentationml/2006/main">
+  <p:cSld>
+    <p:spTree>
+      <p:nvGrpSpPr>
+        <p:cNvPr id="1" name=""/>
+        <p:cNvGrpSpPr/>
+        <p:nvPr/>
+      </p:nvGrpSpPr>
+      <p:grpSpPr>
+        <a:xfrm>
+          <a:off x="0" y="0"/>
+          <a:ext cx="0" cy="0"/>
+          <a:chOff x="0" y="0"/>
+          <a:chExt cx="0" cy="0"/>
+        </a:xfrm>
+      </p:grpSpPr>
+      <p:sp>
+        <p:nvSpPr>
+          <p:cNvPr id="2" name="タイトル 1"/>
+          <p:cNvSpPr>
+            <a:spLocks noGrp="1"/>
+          </p:cNvSpPr>
+          <p:nvPr>
+            <p:ph type="ctrTitle"/>
+          </p:nvPr>
+        </p:nvSpPr>
+        <p:spPr/>
+        <p:txBody>
+          <a:bodyPr/>
+          <a:lstStyle/>
+          <a:p>
+            <a:endParaRPr kumimoji="1" lang="ja-JP" altLang="en-US"/>
+          </a:p>
+        </p:txBody>
+      </p:sp>
+      <p:sp>
+        <p:nvSpPr>
+          <p:cNvPr id="3" name="サブタイトル 2"/>
+          <p:cNvSpPr>
+            <a:spLocks noGrp="1"/>
+          </p:cNvSpPr>
+          <p:nvPr>
+            <p:ph type="subTitle" idx="1"/>
+          </p:nvPr>
+        </p:nvSpPr>
+        <p:spPr/>
+        <p:txBody>
+          <a:bodyPr/>
+          <a:lstStyle/>
+          <a:p>
+            <a:r>
+              <a:rPr kumimoji="1" lang="ja-JP" altLang="en-US" dirty="0" smtClean="0"/>
+              <a:t>サンプル</a:t>
+            </a:r>
+            <a:endParaRPr kumimoji="1" lang="ja-JP" altLang="en-US" dirty="0"/>
+          </a:p>
+        </p:txBody>
+      </p:sp>
+    </p:spTree>
+    <p:extLst>
+      <p:ext uri="{BB962C8B-B14F-4D97-AF65-F5344CB8AC3E}">
+        <p14:creationId xmlns:p14="http://schemas.microsoft.com/office/powerpoint/2010/main" val="4137676834"/>
+      </p:ext>
+    </p:extLst>
+  </p:cSld>
+  <p:clrMapOvr>
+    <a:masterClrMapping/>
+  </p:clrMapOvr>
+</p:sld>
 </file>
 
 <file path=ppt/theme/theme1.xml><?xml version="1.0" encoding="utf-8"?>

--- a/sample01.pptx
+++ b/sample01.pptx
@@ -6,6 +6,7 @@
   </p:sldMasterIdLst>
   <p:sldIdLst>
     <p:sldId id="256" r:id="rId2"/>
+    <p:sldId id="257" r:id="rId3"/>
   </p:sldIdLst>
   <p:sldSz cx="9144000" cy="6858000" type="screen4x3"/>
   <p:notesSz cx="6858000" cy="9144000"/>
@@ -3338,7 +3339,7 @@
           <a:bodyPr/>
           <a:lstStyle/>
           <a:p>
-            <a:endParaRPr kumimoji="1" lang="ja-JP" altLang="en-US"/>
+            <a:endParaRPr kumimoji="1" lang="ja-JP" altLang="en-US" dirty="0"/>
           </a:p>
         </p:txBody>
       </p:sp>
@@ -3369,6 +3370,76 @@
     <p:extLst>
       <p:ext uri="{BB962C8B-B14F-4D97-AF65-F5344CB8AC3E}">
         <p14:creationId xmlns:p14="http://schemas.microsoft.com/office/powerpoint/2010/main" val="4137676834"/>
+      </p:ext>
+    </p:extLst>
+  </p:cSld>
+  <p:clrMapOvr>
+    <a:masterClrMapping/>
+  </p:clrMapOvr>
+</p:sld>
+</file>
+
+<file path=ppt/slides/slide2.xml><?xml version="1.0" encoding="utf-8"?>
+<p:sld xmlns:a="http://schemas.openxmlformats.org/drawingml/2006/main" xmlns:r="http://schemas.openxmlformats.org/officeDocument/2006/relationships" xmlns:p="http://schemas.openxmlformats.org/presentationml/2006/main">
+  <p:cSld>
+    <p:spTree>
+      <p:nvGrpSpPr>
+        <p:cNvPr id="1" name=""/>
+        <p:cNvGrpSpPr/>
+        <p:nvPr/>
+      </p:nvGrpSpPr>
+      <p:grpSpPr>
+        <a:xfrm>
+          <a:off x="0" y="0"/>
+          <a:ext cx="0" cy="0"/>
+          <a:chOff x="0" y="0"/>
+          <a:chExt cx="0" cy="0"/>
+        </a:xfrm>
+      </p:grpSpPr>
+      <p:sp>
+        <p:nvSpPr>
+          <p:cNvPr id="2" name="直方体 1"/>
+          <p:cNvSpPr/>
+          <p:nvPr/>
+        </p:nvSpPr>
+        <p:spPr>
+          <a:xfrm>
+            <a:off x="2411760" y="2204864"/>
+            <a:ext cx="1216152" cy="1216152"/>
+          </a:xfrm>
+          <a:prstGeom prst="cube">
+            <a:avLst/>
+          </a:prstGeom>
+        </p:spPr>
+        <p:style>
+          <a:lnRef idx="2">
+            <a:schemeClr val="accent1">
+              <a:shade val="50000"/>
+            </a:schemeClr>
+          </a:lnRef>
+          <a:fillRef idx="1">
+            <a:schemeClr val="accent1"/>
+          </a:fillRef>
+          <a:effectRef idx="0">
+            <a:schemeClr val="accent1"/>
+          </a:effectRef>
+          <a:fontRef idx="minor">
+            <a:schemeClr val="lt1"/>
+          </a:fontRef>
+        </p:style>
+        <p:txBody>
+          <a:bodyPr rtlCol="0" anchor="ctr"/>
+          <a:lstStyle/>
+          <a:p>
+            <a:pPr algn="ctr"/>
+            <a:endParaRPr kumimoji="1" lang="ja-JP" altLang="en-US"/>
+          </a:p>
+        </p:txBody>
+      </p:sp>
+    </p:spTree>
+    <p:extLst>
+      <p:ext uri="{BB962C8B-B14F-4D97-AF65-F5344CB8AC3E}">
+        <p14:creationId xmlns:p14="http://schemas.microsoft.com/office/powerpoint/2010/main" val="2843175524"/>
       </p:ext>
     </p:extLst>
   </p:cSld>
